--- a/source/Project Schedule.pptx
+++ b/source/Project Schedule.pptx
@@ -5603,14 +5603,15 @@
               <a:p>
                 <a:pPr algn="ctr"/>
                 <a:r>
-                  <a:rPr lang="en-US" altLang="zh-CN" b="1" i="0">
+                  <a:rPr lang="en-US" altLang="zh-CN" sz="1600" b="1" i="0">
                     <a:solidFill>
                       <a:srgbClr val="2C2C36"/>
                     </a:solidFill>
                     <a:effectLst/>
-                    <a:latin typeface="-apple-system"/>
+                    <a:latin typeface="+mj-ea"/>
+                    <a:ea typeface="+mj-ea"/>
                   </a:rPr>
-                  <a:t>ONNX Runtime/TF Lite</a:t>
+                  <a:t>ONNX Runtime</a:t>
                 </a:r>
                 <a:r>
                   <a:rPr lang="zh-CN" altLang="en-US" b="1" i="0">
